--- a/a.pptx
+++ b/a.pptx
@@ -5,10 +5,10 @@
     <p:sldMasterId id="2147483660" r:id="rId1"/>
   </p:sldMasterIdLst>
   <p:notesMasterIdLst>
-    <p:notesMasterId r:id="rId20"/>
+    <p:notesMasterId r:id="rId21"/>
   </p:notesMasterIdLst>
   <p:handoutMasterIdLst>
-    <p:handoutMasterId r:id="rId21"/>
+    <p:handoutMasterId r:id="rId22"/>
   </p:handoutMasterIdLst>
   <p:sldIdLst>
     <p:sldId id="256" r:id="rId2"/>
@@ -28,7 +28,8 @@
     <p:sldId id="321" r:id="rId16"/>
     <p:sldId id="331" r:id="rId17"/>
     <p:sldId id="332" r:id="rId18"/>
-    <p:sldId id="290" r:id="rId19"/>
+    <p:sldId id="333" r:id="rId19"/>
+    <p:sldId id="290" r:id="rId20"/>
   </p:sldIdLst>
   <p:sldSz cx="9144000" cy="6858000" type="screen4x3"/>
   <p:notesSz cx="7315200" cy="9601200"/>
@@ -16436,8 +16437,8 @@
         </p:blipFill>
         <p:spPr bwMode="auto">
           <a:xfrm>
-            <a:off x="556477" y="2206926"/>
-            <a:ext cx="4188808" cy="3398171"/>
+            <a:off x="1385339" y="2536638"/>
+            <a:ext cx="1656799" cy="1344079"/>
           </a:xfrm>
           <a:prstGeom prst="rect">
             <a:avLst/>
@@ -16483,8 +16484,8 @@
         </p:blipFill>
         <p:spPr bwMode="auto">
           <a:xfrm>
-            <a:off x="4862147" y="2206926"/>
-            <a:ext cx="3578025" cy="2145266"/>
+            <a:off x="4072367" y="2181976"/>
+            <a:ext cx="4704806" cy="2820847"/>
           </a:xfrm>
           <a:prstGeom prst="rect">
             <a:avLst/>
@@ -16515,7 +16516,7 @@
         </p:nvSpPr>
         <p:spPr>
           <a:xfrm>
-            <a:off x="5247463" y="4523636"/>
+            <a:off x="284162" y="4126391"/>
             <a:ext cx="3578025" cy="861652"/>
           </a:xfrm>
           <a:prstGeom prst="snip2SameRect">
@@ -18113,8 +18114,8 @@
         </p:nvSpPr>
         <p:spPr bwMode="auto">
           <a:xfrm>
-            <a:off x="316397" y="5926495"/>
-            <a:ext cx="8543441" cy="753274"/>
+            <a:off x="4908976" y="2194161"/>
+            <a:ext cx="4085556" cy="753274"/>
           </a:xfrm>
           <a:prstGeom prst="rect">
             <a:avLst/>
@@ -18354,8 +18355,8 @@
         </p:blipFill>
         <p:spPr>
           <a:xfrm>
-            <a:off x="450276" y="2085986"/>
-            <a:ext cx="3673316" cy="3840509"/>
+            <a:off x="450275" y="2085986"/>
+            <a:ext cx="4257321" cy="4451095"/>
           </a:xfrm>
           <a:prstGeom prst="rect">
             <a:avLst/>
@@ -18408,10 +18409,10 @@
           <a:lstStyle/>
           <a:p>
             <a:r>
-              <a:rPr lang="en-NZ" dirty="0">
+              <a:rPr lang="en-NZ">
                 <a:ea typeface="ＭＳ Ｐゴシック" panose="020B0600070205080204" pitchFamily="34" charset="-128"/>
               </a:rPr>
-              <a:t>Further reading</a:t>
+              <a:t>Summary</a:t>
             </a:r>
           </a:p>
         </p:txBody>
@@ -18434,44 +18435,142 @@
         </p:spPr>
         <p:txBody>
           <a:bodyPr>
-            <a:normAutofit/>
+            <a:normAutofit fontScale="85000" lnSpcReduction="10000"/>
           </a:bodyPr>
           <a:lstStyle/>
           <a:p>
             <a:r>
-              <a:rPr lang="en-US" sz="2800" i="1" u="sng" dirty="0">
-                <a:hlinkClick r:id="rId2"/>
+              <a:rPr lang="en-NZ" sz="3200" dirty="0">
+                <a:ea typeface="ＭＳ Ｐゴシック" panose="020B0600070205080204" pitchFamily="34" charset="-128"/>
               </a:rPr>
-              <a:t>Alice </a:t>
-            </a:r>
-            <a:r>
-              <a:rPr lang="en-US" sz="2800" i="1" u="sng" dirty="0" err="1">
-                <a:hlinkClick r:id="rId2"/>
+              <a:t>No </a:t>
+            </a:r>
+            <a:r>
+              <a:rPr lang="en-NZ" sz="3200" b="1" dirty="0">
+                <a:ea typeface="ＭＳ Ｐゴシック" panose="020B0600070205080204" pitchFamily="34" charset="-128"/>
               </a:rPr>
-              <a:t>Rawsthorn’s</a:t>
-            </a:r>
-            <a:r>
-              <a:rPr lang="en-US" sz="2800" i="1" u="sng" dirty="0">
-                <a:hlinkClick r:id="rId2"/>
+              <a:t>mechanical</a:t>
+            </a:r>
+            <a:r>
+              <a:rPr lang="en-NZ" sz="3200" dirty="0">
+                <a:ea typeface="ＭＳ Ｐゴシック" panose="020B0600070205080204" pitchFamily="34" charset="-128"/>
               </a:rPr>
-              <a:t>: Pirates, nurses and other rebels</a:t>
-            </a:r>
-            <a:r>
-              <a:rPr lang="en-US" sz="2800" i="1" u="sng">
-                <a:hlinkClick r:id="rId2"/>
+              <a:t> </a:t>
+            </a:r>
+            <a:r>
+              <a:rPr lang="en-NZ" sz="3200" b="1" dirty="0">
+                <a:ea typeface="ＭＳ Ｐゴシック" panose="020B0600070205080204" pitchFamily="34" charset="-128"/>
               </a:rPr>
-              <a:t> </a:t>
-            </a:r>
-            <a:r>
-              <a:rPr lang="en-US" sz="2800" i="1" u="sng"/>
-              <a:t>.</a:t>
-            </a:r>
-          </a:p>
-          <a:p>
-            <a:br>
-              <a:rPr lang="en-US" sz="2800" i="1" u="sng" dirty="0"/>
-            </a:br>
-            <a:endParaRPr lang="en-NZ" sz="2800" dirty="0">
+              <a:t>engine</a:t>
+            </a:r>
+            <a:r>
+              <a:rPr lang="en-NZ" sz="3200" dirty="0">
+                <a:ea typeface="ＭＳ Ｐゴシック" panose="020B0600070205080204" pitchFamily="34" charset="-128"/>
+              </a:rPr>
+              <a:t> goes to production without a design, why should an AI system? </a:t>
+            </a:r>
+          </a:p>
+          <a:p>
+            <a:r>
+              <a:rPr lang="en-NZ" sz="3200" dirty="0">
+                <a:ea typeface="ＭＳ Ｐゴシック" panose="020B0600070205080204" pitchFamily="34" charset="-128"/>
+              </a:rPr>
+              <a:t> User appealing </a:t>
+            </a:r>
+            <a:r>
+              <a:rPr lang="en-NZ" sz="3200" b="1" dirty="0">
+                <a:ea typeface="ＭＳ Ｐゴシック" panose="020B0600070205080204" pitchFamily="34" charset="-128"/>
+              </a:rPr>
+              <a:t>API</a:t>
+            </a:r>
+            <a:r>
+              <a:rPr lang="en-NZ" sz="3200" dirty="0">
+                <a:ea typeface="ＭＳ Ｐゴシック" panose="020B0600070205080204" pitchFamily="34" charset="-128"/>
+              </a:rPr>
+              <a:t> (</a:t>
+            </a:r>
+            <a:r>
+              <a:rPr lang="en-NZ" sz="3200" dirty="0" err="1">
+                <a:ea typeface="ＭＳ Ｐゴシック" panose="020B0600070205080204" pitchFamily="34" charset="-128"/>
+              </a:rPr>
+              <a:t>Falsk</a:t>
+            </a:r>
+            <a:r>
+              <a:rPr lang="en-NZ" sz="3200" dirty="0">
+                <a:ea typeface="ＭＳ Ｐゴシック" panose="020B0600070205080204" pitchFamily="34" charset="-128"/>
+              </a:rPr>
+              <a:t>/</a:t>
+            </a:r>
+            <a:r>
+              <a:rPr lang="en-NZ" sz="3200" dirty="0" err="1">
+                <a:ea typeface="ＭＳ Ｐゴシック" panose="020B0600070205080204" pitchFamily="34" charset="-128"/>
+              </a:rPr>
+              <a:t>gRPC</a:t>
+            </a:r>
+            <a:r>
+              <a:rPr lang="en-NZ" sz="3200" dirty="0">
+                <a:ea typeface="ＭＳ Ｐゴシック" panose="020B0600070205080204" pitchFamily="34" charset="-128"/>
+              </a:rPr>
+              <a:t>) will be perceived well by users (not just as ‘pretty’)</a:t>
+            </a:r>
+          </a:p>
+          <a:p>
+            <a:r>
+              <a:rPr lang="en-NZ" sz="3200" dirty="0">
+                <a:ea typeface="ＭＳ Ｐゴシック" panose="020B0600070205080204" pitchFamily="34" charset="-128"/>
+              </a:rPr>
+              <a:t>Design around </a:t>
+            </a:r>
+            <a:r>
+              <a:rPr lang="en-NZ" sz="3200" b="1" dirty="0">
+                <a:ea typeface="ＭＳ Ｐゴシック" panose="020B0600070205080204" pitchFamily="34" charset="-128"/>
+              </a:rPr>
+              <a:t>reproducibility, </a:t>
+            </a:r>
+            <a:r>
+              <a:rPr lang="en-NZ" sz="3200" dirty="0" err="1">
+                <a:ea typeface="ＭＳ Ｐゴシック" panose="020B0600070205080204" pitchFamily="34" charset="-128"/>
+              </a:rPr>
+              <a:t>e.g</a:t>
+            </a:r>
+            <a:r>
+              <a:rPr lang="en-NZ" sz="3200" b="1" dirty="0">
+                <a:ea typeface="ＭＳ Ｐゴシック" panose="020B0600070205080204" pitchFamily="34" charset="-128"/>
+              </a:rPr>
+              <a:t> AI experiment management</a:t>
+            </a:r>
+            <a:r>
+              <a:rPr lang="en-NZ" sz="3200" dirty="0">
+                <a:ea typeface="ＭＳ Ｐゴシック" panose="020B0600070205080204" pitchFamily="34" charset="-128"/>
+              </a:rPr>
+              <a:t> (Trains/Sacred)</a:t>
+            </a:r>
+          </a:p>
+          <a:p>
+            <a:r>
+              <a:rPr lang="en-NZ" sz="3200" dirty="0">
+                <a:ea typeface="ＭＳ Ｐゴシック" panose="020B0600070205080204" pitchFamily="34" charset="-128"/>
+              </a:rPr>
+              <a:t>Consider a unified </a:t>
+            </a:r>
+            <a:r>
+              <a:rPr lang="en-NZ" sz="3200" b="1" dirty="0">
+                <a:ea typeface="ＭＳ Ｐゴシック" panose="020B0600070205080204" pitchFamily="34" charset="-128"/>
+              </a:rPr>
+              <a:t>design template </a:t>
+            </a:r>
+            <a:r>
+              <a:rPr lang="en-NZ" sz="3200" dirty="0">
+                <a:ea typeface="ＭＳ Ｐゴシック" panose="020B0600070205080204" pitchFamily="34" charset="-128"/>
+              </a:rPr>
+              <a:t>– especially in early stages of prototyping – to achieve quick and stable results that will be familiar to users</a:t>
+            </a:r>
+            <a:endParaRPr lang="en-US" sz="3200" dirty="0">
+              <a:ea typeface="ＭＳ Ｐゴシック" panose="020B0600070205080204" pitchFamily="34" charset="-128"/>
+            </a:endParaRPr>
+          </a:p>
+          <a:p>
+            <a:endParaRPr lang="en-NZ" dirty="0">
               <a:ea typeface="ＭＳ Ｐゴシック" panose="020B0600070205080204" pitchFamily="34" charset="-128"/>
             </a:endParaRPr>
           </a:p>
@@ -18634,6 +18733,311 @@
               </a:rPr>
               <a:pPr eaLnBrk="1" hangingPunct="1"/>
               <a:t>18</a:t>
+            </a:fld>
+            <a:endParaRPr lang="en-GB">
+              <a:solidFill>
+                <a:schemeClr val="bg1"/>
+              </a:solidFill>
+              <a:latin typeface="Rockwell" panose="02060603020205020403" pitchFamily="18" charset="0"/>
+            </a:endParaRPr>
+          </a:p>
+        </p:txBody>
+      </p:sp>
+      <p:pic>
+        <p:nvPicPr>
+          <p:cNvPr id="5" name="Picture 1">
+            <a:extLst>
+              <a:ext uri="{FF2B5EF4-FFF2-40B4-BE49-F238E27FC236}">
+                <a16:creationId xmlns:a16="http://schemas.microsoft.com/office/drawing/2014/main" id="{B38DFA53-8522-4838-AF8D-2ABD26BB0DB8}"/>
+              </a:ext>
+            </a:extLst>
+          </p:cNvPr>
+          <p:cNvPicPr>
+            <a:picLocks noChangeAspect="1"/>
+          </p:cNvPicPr>
+          <p:nvPr/>
+        </p:nvPicPr>
+        <p:blipFill>
+          <a:blip r:embed="rId2">
+            <a:extLst>
+              <a:ext uri="{28A0092B-C50C-407E-A947-70E740481C1C}">
+                <a14:useLocalDpi xmlns:a14="http://schemas.microsoft.com/office/drawing/2010/main" val="0"/>
+              </a:ext>
+            </a:extLst>
+          </a:blip>
+          <a:stretch>
+            <a:fillRect/>
+          </a:stretch>
+        </p:blipFill>
+        <p:spPr>
+          <a:xfrm>
+            <a:off x="6394229" y="484188"/>
+            <a:ext cx="1157155" cy="1116012"/>
+          </a:xfrm>
+          <a:prstGeom prst="rect">
+            <a:avLst/>
+          </a:prstGeom>
+        </p:spPr>
+      </p:pic>
+    </p:spTree>
+  </p:cSld>
+  <p:clrMapOvr>
+    <a:masterClrMapping/>
+  </p:clrMapOvr>
+</p:sld>
+</file>
+
+<file path=ppt/slides/slide19.xml><?xml version="1.0" encoding="utf-8"?>
+<p:sld xmlns:a="http://schemas.openxmlformats.org/drawingml/2006/main" xmlns:r="http://schemas.openxmlformats.org/officeDocument/2006/relationships" xmlns:p="http://schemas.openxmlformats.org/presentationml/2006/main">
+  <p:cSld>
+    <p:spTree>
+      <p:nvGrpSpPr>
+        <p:cNvPr id="1" name=""/>
+        <p:cNvGrpSpPr/>
+        <p:nvPr/>
+      </p:nvGrpSpPr>
+      <p:grpSpPr>
+        <a:xfrm>
+          <a:off x="0" y="0"/>
+          <a:ext cx="0" cy="0"/>
+          <a:chOff x="0" y="0"/>
+          <a:chExt cx="0" cy="0"/>
+        </a:xfrm>
+      </p:grpSpPr>
+      <p:sp>
+        <p:nvSpPr>
+          <p:cNvPr id="39938" name="Title 5"/>
+          <p:cNvSpPr>
+            <a:spLocks noGrp="1"/>
+          </p:cNvSpPr>
+          <p:nvPr>
+            <p:ph type="title"/>
+          </p:nvPr>
+        </p:nvSpPr>
+        <p:spPr/>
+        <p:txBody>
+          <a:bodyPr/>
+          <a:lstStyle/>
+          <a:p>
+            <a:r>
+              <a:rPr lang="en-NZ" dirty="0">
+                <a:ea typeface="ＭＳ Ｐゴシック" panose="020B0600070205080204" pitchFamily="34" charset="-128"/>
+              </a:rPr>
+              <a:t>Further reading</a:t>
+            </a:r>
+          </a:p>
+        </p:txBody>
+      </p:sp>
+      <p:sp>
+        <p:nvSpPr>
+          <p:cNvPr id="39939" name="Content Placeholder 6"/>
+          <p:cNvSpPr>
+            <a:spLocks noGrp="1"/>
+          </p:cNvSpPr>
+          <p:nvPr>
+            <p:ph sz="half" idx="1"/>
+          </p:nvPr>
+        </p:nvSpPr>
+        <p:spPr>
+          <a:xfrm>
+            <a:off x="498475" y="1985963"/>
+            <a:ext cx="8119052" cy="4396364"/>
+          </a:xfrm>
+        </p:spPr>
+        <p:txBody>
+          <a:bodyPr>
+            <a:normAutofit/>
+          </a:bodyPr>
+          <a:lstStyle/>
+          <a:p>
+            <a:r>
+              <a:rPr lang="en-US" sz="2800" i="1" u="sng" dirty="0">
+                <a:hlinkClick r:id="rId2"/>
+              </a:rPr>
+              <a:t>Alice </a:t>
+            </a:r>
+            <a:r>
+              <a:rPr lang="en-US" sz="2800" i="1" u="sng" dirty="0" err="1">
+                <a:hlinkClick r:id="rId2"/>
+              </a:rPr>
+              <a:t>Rawsthorn’s</a:t>
+            </a:r>
+            <a:r>
+              <a:rPr lang="en-US" sz="2800" i="1" u="sng" dirty="0">
+                <a:hlinkClick r:id="rId2"/>
+              </a:rPr>
+              <a:t>: Pirates, nurses and other rebels </a:t>
+            </a:r>
+            <a:r>
+              <a:rPr lang="en-US" sz="2800" i="1" u="sng" dirty="0"/>
+              <a:t>.</a:t>
+            </a:r>
+            <a:br>
+              <a:rPr lang="en-US" sz="2800" i="1" u="sng" dirty="0"/>
+            </a:br>
+            <a:endParaRPr lang="en-NZ" sz="2800" dirty="0">
+              <a:ea typeface="ＭＳ Ｐゴシック" panose="020B0600070205080204" pitchFamily="34" charset="-128"/>
+            </a:endParaRPr>
+          </a:p>
+          <a:p>
+            <a:endParaRPr lang="en-NZ" dirty="0">
+              <a:ea typeface="ＭＳ Ｐゴシック" panose="020B0600070205080204" pitchFamily="34" charset="-128"/>
+            </a:endParaRPr>
+          </a:p>
+        </p:txBody>
+      </p:sp>
+      <p:sp>
+        <p:nvSpPr>
+          <p:cNvPr id="39941" name="Slide Number Placeholder 4"/>
+          <p:cNvSpPr>
+            <a:spLocks noGrp="1"/>
+          </p:cNvSpPr>
+          <p:nvPr>
+            <p:ph type="sldNum" sz="quarter" idx="12"/>
+          </p:nvPr>
+        </p:nvSpPr>
+        <p:spPr bwMode="auto">
+          <a:noFill/>
+          <a:extLst>
+            <a:ext uri="{909E8E84-426E-40DD-AFC4-6F175D3DCCD1}">
+              <a14:hiddenFill xmlns:a14="http://schemas.microsoft.com/office/drawing/2010/main">
+                <a:solidFill>
+                  <a:srgbClr val="FFFFFF"/>
+                </a:solidFill>
+              </a14:hiddenFill>
+            </a:ext>
+            <a:ext uri="{91240B29-F687-4F45-9708-019B960494DF}">
+              <a14:hiddenLine xmlns:a14="http://schemas.microsoft.com/office/drawing/2010/main" w="9525">
+                <a:solidFill>
+                  <a:srgbClr val="000000"/>
+                </a:solidFill>
+                <a:miter lim="800000"/>
+                <a:headEnd/>
+                <a:tailEnd/>
+              </a14:hiddenLine>
+            </a:ext>
+          </a:extLst>
+        </p:spPr>
+        <p:txBody>
+          <a:bodyPr/>
+          <a:lstStyle>
+            <a:lvl1pPr eaLnBrk="0" hangingPunct="0">
+              <a:defRPr>
+                <a:solidFill>
+                  <a:schemeClr val="tx1"/>
+                </a:solidFill>
+                <a:latin typeface="Arial" panose="020B0604020202020204" pitchFamily="34" charset="0"/>
+                <a:ea typeface="ＭＳ Ｐゴシック" panose="020B0600070205080204" pitchFamily="34" charset="-128"/>
+              </a:defRPr>
+            </a:lvl1pPr>
+            <a:lvl2pPr marL="742950" indent="-285750" eaLnBrk="0" hangingPunct="0">
+              <a:defRPr>
+                <a:solidFill>
+                  <a:schemeClr val="tx1"/>
+                </a:solidFill>
+                <a:latin typeface="Arial" panose="020B0604020202020204" pitchFamily="34" charset="0"/>
+                <a:ea typeface="ＭＳ Ｐゴシック" panose="020B0600070205080204" pitchFamily="34" charset="-128"/>
+              </a:defRPr>
+            </a:lvl2pPr>
+            <a:lvl3pPr marL="1143000" indent="-228600" eaLnBrk="0" hangingPunct="0">
+              <a:defRPr>
+                <a:solidFill>
+                  <a:schemeClr val="tx1"/>
+                </a:solidFill>
+                <a:latin typeface="Arial" panose="020B0604020202020204" pitchFamily="34" charset="0"/>
+                <a:ea typeface="ＭＳ Ｐゴシック" panose="020B0600070205080204" pitchFamily="34" charset="-128"/>
+              </a:defRPr>
+            </a:lvl3pPr>
+            <a:lvl4pPr marL="1600200" indent="-228600" eaLnBrk="0" hangingPunct="0">
+              <a:defRPr>
+                <a:solidFill>
+                  <a:schemeClr val="tx1"/>
+                </a:solidFill>
+                <a:latin typeface="Arial" panose="020B0604020202020204" pitchFamily="34" charset="0"/>
+                <a:ea typeface="ＭＳ Ｐゴシック" panose="020B0600070205080204" pitchFamily="34" charset="-128"/>
+              </a:defRPr>
+            </a:lvl4pPr>
+            <a:lvl5pPr marL="2057400" indent="-228600" eaLnBrk="0" hangingPunct="0">
+              <a:defRPr>
+                <a:solidFill>
+                  <a:schemeClr val="tx1"/>
+                </a:solidFill>
+                <a:latin typeface="Arial" panose="020B0604020202020204" pitchFamily="34" charset="0"/>
+                <a:ea typeface="ＭＳ Ｐゴシック" panose="020B0600070205080204" pitchFamily="34" charset="-128"/>
+              </a:defRPr>
+            </a:lvl5pPr>
+            <a:lvl6pPr marL="2514600" indent="-228600" defTabSz="457200" eaLnBrk="0" fontAlgn="base" hangingPunct="0">
+              <a:spcBef>
+                <a:spcPct val="0"/>
+              </a:spcBef>
+              <a:spcAft>
+                <a:spcPct val="0"/>
+              </a:spcAft>
+              <a:defRPr>
+                <a:solidFill>
+                  <a:schemeClr val="tx1"/>
+                </a:solidFill>
+                <a:latin typeface="Arial" panose="020B0604020202020204" pitchFamily="34" charset="0"/>
+                <a:ea typeface="ＭＳ Ｐゴシック" panose="020B0600070205080204" pitchFamily="34" charset="-128"/>
+              </a:defRPr>
+            </a:lvl6pPr>
+            <a:lvl7pPr marL="2971800" indent="-228600" defTabSz="457200" eaLnBrk="0" fontAlgn="base" hangingPunct="0">
+              <a:spcBef>
+                <a:spcPct val="0"/>
+              </a:spcBef>
+              <a:spcAft>
+                <a:spcPct val="0"/>
+              </a:spcAft>
+              <a:defRPr>
+                <a:solidFill>
+                  <a:schemeClr val="tx1"/>
+                </a:solidFill>
+                <a:latin typeface="Arial" panose="020B0604020202020204" pitchFamily="34" charset="0"/>
+                <a:ea typeface="ＭＳ Ｐゴシック" panose="020B0600070205080204" pitchFamily="34" charset="-128"/>
+              </a:defRPr>
+            </a:lvl7pPr>
+            <a:lvl8pPr marL="3429000" indent="-228600" defTabSz="457200" eaLnBrk="0" fontAlgn="base" hangingPunct="0">
+              <a:spcBef>
+                <a:spcPct val="0"/>
+              </a:spcBef>
+              <a:spcAft>
+                <a:spcPct val="0"/>
+              </a:spcAft>
+              <a:defRPr>
+                <a:solidFill>
+                  <a:schemeClr val="tx1"/>
+                </a:solidFill>
+                <a:latin typeface="Arial" panose="020B0604020202020204" pitchFamily="34" charset="0"/>
+                <a:ea typeface="ＭＳ Ｐゴシック" panose="020B0600070205080204" pitchFamily="34" charset="-128"/>
+              </a:defRPr>
+            </a:lvl8pPr>
+            <a:lvl9pPr marL="3886200" indent="-228600" defTabSz="457200" eaLnBrk="0" fontAlgn="base" hangingPunct="0">
+              <a:spcBef>
+                <a:spcPct val="0"/>
+              </a:spcBef>
+              <a:spcAft>
+                <a:spcPct val="0"/>
+              </a:spcAft>
+              <a:defRPr>
+                <a:solidFill>
+                  <a:schemeClr val="tx1"/>
+                </a:solidFill>
+                <a:latin typeface="Arial" panose="020B0604020202020204" pitchFamily="34" charset="0"/>
+                <a:ea typeface="ＭＳ Ｐゴシック" panose="020B0600070205080204" pitchFamily="34" charset="-128"/>
+              </a:defRPr>
+            </a:lvl9pPr>
+          </a:lstStyle>
+          <a:p>
+            <a:pPr eaLnBrk="1" hangingPunct="1"/>
+            <a:fld id="{3DAE96B3-17D5-4CCF-8161-E36CC98BE1B6}" type="slidenum">
+              <a:rPr lang="en-GB">
+                <a:solidFill>
+                  <a:schemeClr val="bg1"/>
+                </a:solidFill>
+                <a:latin typeface="Rockwell" panose="02060603020205020403" pitchFamily="18" charset="0"/>
+              </a:rPr>
+              <a:pPr eaLnBrk="1" hangingPunct="1"/>
+              <a:t>19</a:t>
             </a:fld>
             <a:endParaRPr lang="en-GB">
               <a:solidFill>
